--- a/figures/Chapter 2 - Introductory Data Structures/2.7 Queues.pptx
+++ b/figures/Chapter 2 - Introductory Data Structures/2.7 Queues.pptx
@@ -154,10 +154,9 @@
           </a:lstStyle>
           <a:p>
             <a:r>
-              <a:rPr lang="en-US" smtClean="0"/>
+              <a:rPr lang="en-US"/>
               <a:t>Click to edit Master title style</a:t>
             </a:r>
-            <a:endParaRPr lang="en-US"/>
           </a:p>
         </p:txBody>
       </p:sp>
@@ -219,10 +218,9 @@
           </a:lstStyle>
           <a:p>
             <a:r>
-              <a:rPr lang="en-US" smtClean="0"/>
+              <a:rPr lang="en-US"/>
               <a:t>Click to edit Master subtitle style</a:t>
             </a:r>
-            <a:endParaRPr lang="en-US"/>
           </a:p>
         </p:txBody>
       </p:sp>
@@ -243,7 +241,7 @@
           <a:p>
             <a:fld id="{5F8C1D27-7054-4C6B-8816-BEAA3AD2E28B}" type="datetimeFigureOut">
               <a:rPr lang="en-US" smtClean="0"/>
-              <a:t>9/14/16</a:t>
+              <a:t>5/8/18</a:t>
             </a:fld>
             <a:endParaRPr lang="en-US"/>
           </a:p>
@@ -337,10 +335,9 @@
           <a:lstStyle/>
           <a:p>
             <a:r>
-              <a:rPr lang="en-US" smtClean="0"/>
+              <a:rPr lang="en-US"/>
               <a:t>Click to edit Master title style</a:t>
             </a:r>
-            <a:endParaRPr lang="en-US"/>
           </a:p>
         </p:txBody>
       </p:sp>
@@ -361,38 +358,37 @@
           <a:p>
             <a:pPr lvl="0"/>
             <a:r>
-              <a:rPr lang="en-US" smtClean="0"/>
+              <a:rPr lang="en-US"/>
               <a:t>Click to edit Master text styles</a:t>
             </a:r>
           </a:p>
           <a:p>
             <a:pPr lvl="1"/>
             <a:r>
-              <a:rPr lang="en-US" smtClean="0"/>
+              <a:rPr lang="en-US"/>
               <a:t>Second level</a:t>
             </a:r>
           </a:p>
           <a:p>
             <a:pPr lvl="2"/>
             <a:r>
-              <a:rPr lang="en-US" smtClean="0"/>
+              <a:rPr lang="en-US"/>
               <a:t>Third level</a:t>
             </a:r>
           </a:p>
           <a:p>
             <a:pPr lvl="3"/>
             <a:r>
-              <a:rPr lang="en-US" smtClean="0"/>
+              <a:rPr lang="en-US"/>
               <a:t>Fourth level</a:t>
             </a:r>
           </a:p>
           <a:p>
             <a:pPr lvl="4"/>
             <a:r>
-              <a:rPr lang="en-US" smtClean="0"/>
+              <a:rPr lang="en-US"/>
               <a:t>Fifth level</a:t>
             </a:r>
-            <a:endParaRPr lang="en-US"/>
           </a:p>
         </p:txBody>
       </p:sp>
@@ -413,7 +409,7 @@
           <a:p>
             <a:fld id="{5F8C1D27-7054-4C6B-8816-BEAA3AD2E28B}" type="datetimeFigureOut">
               <a:rPr lang="en-US" smtClean="0"/>
-              <a:t>9/14/16</a:t>
+              <a:t>5/8/18</a:t>
             </a:fld>
             <a:endParaRPr lang="en-US"/>
           </a:p>
@@ -512,10 +508,9 @@
           <a:lstStyle/>
           <a:p>
             <a:r>
-              <a:rPr lang="en-US" smtClean="0"/>
+              <a:rPr lang="en-US"/>
               <a:t>Click to edit Master title style</a:t>
             </a:r>
-            <a:endParaRPr lang="en-US"/>
           </a:p>
         </p:txBody>
       </p:sp>
@@ -541,38 +536,37 @@
           <a:p>
             <a:pPr lvl="0"/>
             <a:r>
-              <a:rPr lang="en-US" smtClean="0"/>
+              <a:rPr lang="en-US"/>
               <a:t>Click to edit Master text styles</a:t>
             </a:r>
           </a:p>
           <a:p>
             <a:pPr lvl="1"/>
             <a:r>
-              <a:rPr lang="en-US" smtClean="0"/>
+              <a:rPr lang="en-US"/>
               <a:t>Second level</a:t>
             </a:r>
           </a:p>
           <a:p>
             <a:pPr lvl="2"/>
             <a:r>
-              <a:rPr lang="en-US" smtClean="0"/>
+              <a:rPr lang="en-US"/>
               <a:t>Third level</a:t>
             </a:r>
           </a:p>
           <a:p>
             <a:pPr lvl="3"/>
             <a:r>
-              <a:rPr lang="en-US" smtClean="0"/>
+              <a:rPr lang="en-US"/>
               <a:t>Fourth level</a:t>
             </a:r>
           </a:p>
           <a:p>
             <a:pPr lvl="4"/>
             <a:r>
-              <a:rPr lang="en-US" smtClean="0"/>
+              <a:rPr lang="en-US"/>
               <a:t>Fifth level</a:t>
             </a:r>
-            <a:endParaRPr lang="en-US"/>
           </a:p>
         </p:txBody>
       </p:sp>
@@ -593,7 +587,7 @@
           <a:p>
             <a:fld id="{5F8C1D27-7054-4C6B-8816-BEAA3AD2E28B}" type="datetimeFigureOut">
               <a:rPr lang="en-US" smtClean="0"/>
-              <a:t>9/14/16</a:t>
+              <a:t>5/8/18</a:t>
             </a:fld>
             <a:endParaRPr lang="en-US"/>
           </a:p>
@@ -687,10 +681,9 @@
           <a:lstStyle/>
           <a:p>
             <a:r>
-              <a:rPr lang="en-US" smtClean="0"/>
+              <a:rPr lang="en-US"/>
               <a:t>Click to edit Master title style</a:t>
             </a:r>
-            <a:endParaRPr lang="en-US"/>
           </a:p>
         </p:txBody>
       </p:sp>
@@ -711,38 +704,37 @@
           <a:p>
             <a:pPr lvl="0"/>
             <a:r>
-              <a:rPr lang="en-US" smtClean="0"/>
+              <a:rPr lang="en-US"/>
               <a:t>Click to edit Master text styles</a:t>
             </a:r>
           </a:p>
           <a:p>
             <a:pPr lvl="1"/>
             <a:r>
-              <a:rPr lang="en-US" smtClean="0"/>
+              <a:rPr lang="en-US"/>
               <a:t>Second level</a:t>
             </a:r>
           </a:p>
           <a:p>
             <a:pPr lvl="2"/>
             <a:r>
-              <a:rPr lang="en-US" smtClean="0"/>
+              <a:rPr lang="en-US"/>
               <a:t>Third level</a:t>
             </a:r>
           </a:p>
           <a:p>
             <a:pPr lvl="3"/>
             <a:r>
-              <a:rPr lang="en-US" smtClean="0"/>
+              <a:rPr lang="en-US"/>
               <a:t>Fourth level</a:t>
             </a:r>
           </a:p>
           <a:p>
             <a:pPr lvl="4"/>
             <a:r>
-              <a:rPr lang="en-US" smtClean="0"/>
+              <a:rPr lang="en-US"/>
               <a:t>Fifth level</a:t>
             </a:r>
-            <a:endParaRPr lang="en-US"/>
           </a:p>
         </p:txBody>
       </p:sp>
@@ -763,7 +755,7 @@
           <a:p>
             <a:fld id="{5F8C1D27-7054-4C6B-8816-BEAA3AD2E28B}" type="datetimeFigureOut">
               <a:rPr lang="en-US" smtClean="0"/>
-              <a:t>9/14/16</a:t>
+              <a:t>5/8/18</a:t>
             </a:fld>
             <a:endParaRPr lang="en-US"/>
           </a:p>
@@ -866,10 +858,9 @@
           </a:lstStyle>
           <a:p>
             <a:r>
-              <a:rPr lang="en-US" smtClean="0"/>
+              <a:rPr lang="en-US"/>
               <a:t>Click to edit Master title style</a:t>
             </a:r>
-            <a:endParaRPr lang="en-US"/>
           </a:p>
         </p:txBody>
       </p:sp>
@@ -986,7 +977,7 @@
           <a:p>
             <a:pPr lvl="0"/>
             <a:r>
-              <a:rPr lang="en-US" smtClean="0"/>
+              <a:rPr lang="en-US"/>
               <a:t>Click to edit Master text styles</a:t>
             </a:r>
           </a:p>
@@ -1009,7 +1000,7 @@
           <a:p>
             <a:fld id="{5F8C1D27-7054-4C6B-8816-BEAA3AD2E28B}" type="datetimeFigureOut">
               <a:rPr lang="en-US" smtClean="0"/>
-              <a:t>9/14/16</a:t>
+              <a:t>5/8/18</a:t>
             </a:fld>
             <a:endParaRPr lang="en-US"/>
           </a:p>
@@ -1103,10 +1094,9 @@
           <a:lstStyle/>
           <a:p>
             <a:r>
-              <a:rPr lang="en-US" smtClean="0"/>
+              <a:rPr lang="en-US"/>
               <a:t>Click to edit Master title style</a:t>
             </a:r>
-            <a:endParaRPr lang="en-US"/>
           </a:p>
         </p:txBody>
       </p:sp>
@@ -1132,38 +1122,37 @@
           <a:p>
             <a:pPr lvl="0"/>
             <a:r>
-              <a:rPr lang="en-US" smtClean="0"/>
+              <a:rPr lang="en-US"/>
               <a:t>Click to edit Master text styles</a:t>
             </a:r>
           </a:p>
           <a:p>
             <a:pPr lvl="1"/>
             <a:r>
-              <a:rPr lang="en-US" smtClean="0"/>
+              <a:rPr lang="en-US"/>
               <a:t>Second level</a:t>
             </a:r>
           </a:p>
           <a:p>
             <a:pPr lvl="2"/>
             <a:r>
-              <a:rPr lang="en-US" smtClean="0"/>
+              <a:rPr lang="en-US"/>
               <a:t>Third level</a:t>
             </a:r>
           </a:p>
           <a:p>
             <a:pPr lvl="3"/>
             <a:r>
-              <a:rPr lang="en-US" smtClean="0"/>
+              <a:rPr lang="en-US"/>
               <a:t>Fourth level</a:t>
             </a:r>
           </a:p>
           <a:p>
             <a:pPr lvl="4"/>
             <a:r>
-              <a:rPr lang="en-US" smtClean="0"/>
+              <a:rPr lang="en-US"/>
               <a:t>Fifth level</a:t>
             </a:r>
-            <a:endParaRPr lang="en-US"/>
           </a:p>
         </p:txBody>
       </p:sp>
@@ -1189,38 +1178,37 @@
           <a:p>
             <a:pPr lvl="0"/>
             <a:r>
-              <a:rPr lang="en-US" smtClean="0"/>
+              <a:rPr lang="en-US"/>
               <a:t>Click to edit Master text styles</a:t>
             </a:r>
           </a:p>
           <a:p>
             <a:pPr lvl="1"/>
             <a:r>
-              <a:rPr lang="en-US" smtClean="0"/>
+              <a:rPr lang="en-US"/>
               <a:t>Second level</a:t>
             </a:r>
           </a:p>
           <a:p>
             <a:pPr lvl="2"/>
             <a:r>
-              <a:rPr lang="en-US" smtClean="0"/>
+              <a:rPr lang="en-US"/>
               <a:t>Third level</a:t>
             </a:r>
           </a:p>
           <a:p>
             <a:pPr lvl="3"/>
             <a:r>
-              <a:rPr lang="en-US" smtClean="0"/>
+              <a:rPr lang="en-US"/>
               <a:t>Fourth level</a:t>
             </a:r>
           </a:p>
           <a:p>
             <a:pPr lvl="4"/>
             <a:r>
-              <a:rPr lang="en-US" smtClean="0"/>
+              <a:rPr lang="en-US"/>
               <a:t>Fifth level</a:t>
             </a:r>
-            <a:endParaRPr lang="en-US"/>
           </a:p>
         </p:txBody>
       </p:sp>
@@ -1241,7 +1229,7 @@
           <a:p>
             <a:fld id="{5F8C1D27-7054-4C6B-8816-BEAA3AD2E28B}" type="datetimeFigureOut">
               <a:rPr lang="en-US" smtClean="0"/>
-              <a:t>9/14/16</a:t>
+              <a:t>5/8/18</a:t>
             </a:fld>
             <a:endParaRPr lang="en-US"/>
           </a:p>
@@ -1340,10 +1328,9 @@
           <a:lstStyle/>
           <a:p>
             <a:r>
-              <a:rPr lang="en-US" smtClean="0"/>
+              <a:rPr lang="en-US"/>
               <a:t>Click to edit Master title style</a:t>
             </a:r>
-            <a:endParaRPr lang="en-US"/>
           </a:p>
         </p:txBody>
       </p:sp>
@@ -1406,7 +1393,7 @@
           <a:p>
             <a:pPr lvl="0"/>
             <a:r>
-              <a:rPr lang="en-US" smtClean="0"/>
+              <a:rPr lang="en-US"/>
               <a:t>Click to edit Master text styles</a:t>
             </a:r>
           </a:p>
@@ -1434,38 +1421,37 @@
           <a:p>
             <a:pPr lvl="0"/>
             <a:r>
-              <a:rPr lang="en-US" smtClean="0"/>
+              <a:rPr lang="en-US"/>
               <a:t>Click to edit Master text styles</a:t>
             </a:r>
           </a:p>
           <a:p>
             <a:pPr lvl="1"/>
             <a:r>
-              <a:rPr lang="en-US" smtClean="0"/>
+              <a:rPr lang="en-US"/>
               <a:t>Second level</a:t>
             </a:r>
           </a:p>
           <a:p>
             <a:pPr lvl="2"/>
             <a:r>
-              <a:rPr lang="en-US" smtClean="0"/>
+              <a:rPr lang="en-US"/>
               <a:t>Third level</a:t>
             </a:r>
           </a:p>
           <a:p>
             <a:pPr lvl="3"/>
             <a:r>
-              <a:rPr lang="en-US" smtClean="0"/>
+              <a:rPr lang="en-US"/>
               <a:t>Fourth level</a:t>
             </a:r>
           </a:p>
           <a:p>
             <a:pPr lvl="4"/>
             <a:r>
-              <a:rPr lang="en-US" smtClean="0"/>
+              <a:rPr lang="en-US"/>
               <a:t>Fifth level</a:t>
             </a:r>
-            <a:endParaRPr lang="en-US"/>
           </a:p>
         </p:txBody>
       </p:sp>
@@ -1528,7 +1514,7 @@
           <a:p>
             <a:pPr lvl="0"/>
             <a:r>
-              <a:rPr lang="en-US" smtClean="0"/>
+              <a:rPr lang="en-US"/>
               <a:t>Click to edit Master text styles</a:t>
             </a:r>
           </a:p>
@@ -1556,38 +1542,37 @@
           <a:p>
             <a:pPr lvl="0"/>
             <a:r>
-              <a:rPr lang="en-US" smtClean="0"/>
+              <a:rPr lang="en-US"/>
               <a:t>Click to edit Master text styles</a:t>
             </a:r>
           </a:p>
           <a:p>
             <a:pPr lvl="1"/>
             <a:r>
-              <a:rPr lang="en-US" smtClean="0"/>
+              <a:rPr lang="en-US"/>
               <a:t>Second level</a:t>
             </a:r>
           </a:p>
           <a:p>
             <a:pPr lvl="2"/>
             <a:r>
-              <a:rPr lang="en-US" smtClean="0"/>
+              <a:rPr lang="en-US"/>
               <a:t>Third level</a:t>
             </a:r>
           </a:p>
           <a:p>
             <a:pPr lvl="3"/>
             <a:r>
-              <a:rPr lang="en-US" smtClean="0"/>
+              <a:rPr lang="en-US"/>
               <a:t>Fourth level</a:t>
             </a:r>
           </a:p>
           <a:p>
             <a:pPr lvl="4"/>
             <a:r>
-              <a:rPr lang="en-US" smtClean="0"/>
+              <a:rPr lang="en-US"/>
               <a:t>Fifth level</a:t>
             </a:r>
-            <a:endParaRPr lang="en-US"/>
           </a:p>
         </p:txBody>
       </p:sp>
@@ -1608,7 +1593,7 @@
           <a:p>
             <a:fld id="{5F8C1D27-7054-4C6B-8816-BEAA3AD2E28B}" type="datetimeFigureOut">
               <a:rPr lang="en-US" smtClean="0"/>
-              <a:t>9/14/16</a:t>
+              <a:t>5/8/18</a:t>
             </a:fld>
             <a:endParaRPr lang="en-US"/>
           </a:p>
@@ -1702,10 +1687,9 @@
           <a:lstStyle/>
           <a:p>
             <a:r>
-              <a:rPr lang="en-US" smtClean="0"/>
+              <a:rPr lang="en-US"/>
               <a:t>Click to edit Master title style</a:t>
             </a:r>
-            <a:endParaRPr lang="en-US"/>
           </a:p>
         </p:txBody>
       </p:sp>
@@ -1726,7 +1710,7 @@
           <a:p>
             <a:fld id="{5F8C1D27-7054-4C6B-8816-BEAA3AD2E28B}" type="datetimeFigureOut">
               <a:rPr lang="en-US" smtClean="0"/>
-              <a:t>9/14/16</a:t>
+              <a:t>5/8/18</a:t>
             </a:fld>
             <a:endParaRPr lang="en-US"/>
           </a:p>
@@ -1821,7 +1805,7 @@
           <a:p>
             <a:fld id="{5F8C1D27-7054-4C6B-8816-BEAA3AD2E28B}" type="datetimeFigureOut">
               <a:rPr lang="en-US" smtClean="0"/>
-              <a:t>9/14/16</a:t>
+              <a:t>5/8/18</a:t>
             </a:fld>
             <a:endParaRPr lang="en-US"/>
           </a:p>
@@ -1924,10 +1908,9 @@
           </a:lstStyle>
           <a:p>
             <a:r>
-              <a:rPr lang="en-US" smtClean="0"/>
+              <a:rPr lang="en-US"/>
               <a:t>Click to edit Master title style</a:t>
             </a:r>
-            <a:endParaRPr lang="en-US"/>
           </a:p>
         </p:txBody>
       </p:sp>
@@ -1981,38 +1964,37 @@
           <a:p>
             <a:pPr lvl="0"/>
             <a:r>
-              <a:rPr lang="en-US" smtClean="0"/>
+              <a:rPr lang="en-US"/>
               <a:t>Click to edit Master text styles</a:t>
             </a:r>
           </a:p>
           <a:p>
             <a:pPr lvl="1"/>
             <a:r>
-              <a:rPr lang="en-US" smtClean="0"/>
+              <a:rPr lang="en-US"/>
               <a:t>Second level</a:t>
             </a:r>
           </a:p>
           <a:p>
             <a:pPr lvl="2"/>
             <a:r>
-              <a:rPr lang="en-US" smtClean="0"/>
+              <a:rPr lang="en-US"/>
               <a:t>Third level</a:t>
             </a:r>
           </a:p>
           <a:p>
             <a:pPr lvl="3"/>
             <a:r>
-              <a:rPr lang="en-US" smtClean="0"/>
+              <a:rPr lang="en-US"/>
               <a:t>Fourth level</a:t>
             </a:r>
           </a:p>
           <a:p>
             <a:pPr lvl="4"/>
             <a:r>
-              <a:rPr lang="en-US" smtClean="0"/>
+              <a:rPr lang="en-US"/>
               <a:t>Fifth level</a:t>
             </a:r>
-            <a:endParaRPr lang="en-US"/>
           </a:p>
         </p:txBody>
       </p:sp>
@@ -2075,7 +2057,7 @@
           <a:p>
             <a:pPr lvl="0"/>
             <a:r>
-              <a:rPr lang="en-US" smtClean="0"/>
+              <a:rPr lang="en-US"/>
               <a:t>Click to edit Master text styles</a:t>
             </a:r>
           </a:p>
@@ -2098,7 +2080,7 @@
           <a:p>
             <a:fld id="{5F8C1D27-7054-4C6B-8816-BEAA3AD2E28B}" type="datetimeFigureOut">
               <a:rPr lang="en-US" smtClean="0"/>
-              <a:t>9/14/16</a:t>
+              <a:t>5/8/18</a:t>
             </a:fld>
             <a:endParaRPr lang="en-US"/>
           </a:p>
@@ -2201,10 +2183,9 @@
           </a:lstStyle>
           <a:p>
             <a:r>
-              <a:rPr lang="en-US" smtClean="0"/>
+              <a:rPr lang="en-US"/>
               <a:t>Click to edit Master title style</a:t>
             </a:r>
-            <a:endParaRPr lang="en-US"/>
           </a:p>
         </p:txBody>
       </p:sp>
@@ -2328,7 +2309,7 @@
           <a:p>
             <a:pPr lvl="0"/>
             <a:r>
-              <a:rPr lang="en-US" smtClean="0"/>
+              <a:rPr lang="en-US"/>
               <a:t>Click to edit Master text styles</a:t>
             </a:r>
           </a:p>
@@ -2351,7 +2332,7 @@
           <a:p>
             <a:fld id="{5F8C1D27-7054-4C6B-8816-BEAA3AD2E28B}" type="datetimeFigureOut">
               <a:rPr lang="en-US" smtClean="0"/>
-              <a:t>9/14/16</a:t>
+              <a:t>5/8/18</a:t>
             </a:fld>
             <a:endParaRPr lang="en-US"/>
           </a:p>
@@ -2460,10 +2441,9 @@
           <a:lstStyle/>
           <a:p>
             <a:r>
-              <a:rPr lang="en-US" smtClean="0"/>
+              <a:rPr lang="en-US"/>
               <a:t>Click to edit Master title style</a:t>
             </a:r>
-            <a:endParaRPr lang="en-US"/>
           </a:p>
         </p:txBody>
       </p:sp>
@@ -2494,38 +2474,37 @@
           <a:p>
             <a:pPr lvl="0"/>
             <a:r>
-              <a:rPr lang="en-US" smtClean="0"/>
+              <a:rPr lang="en-US"/>
               <a:t>Click to edit Master text styles</a:t>
             </a:r>
           </a:p>
           <a:p>
             <a:pPr lvl="1"/>
             <a:r>
-              <a:rPr lang="en-US" smtClean="0"/>
+              <a:rPr lang="en-US"/>
               <a:t>Second level</a:t>
             </a:r>
           </a:p>
           <a:p>
             <a:pPr lvl="2"/>
             <a:r>
-              <a:rPr lang="en-US" smtClean="0"/>
+              <a:rPr lang="en-US"/>
               <a:t>Third level</a:t>
             </a:r>
           </a:p>
           <a:p>
             <a:pPr lvl="3"/>
             <a:r>
-              <a:rPr lang="en-US" smtClean="0"/>
+              <a:rPr lang="en-US"/>
               <a:t>Fourth level</a:t>
             </a:r>
           </a:p>
           <a:p>
             <a:pPr lvl="4"/>
             <a:r>
-              <a:rPr lang="en-US" smtClean="0"/>
+              <a:rPr lang="en-US"/>
               <a:t>Fifth level</a:t>
             </a:r>
-            <a:endParaRPr lang="en-US"/>
           </a:p>
         </p:txBody>
       </p:sp>
@@ -2564,7 +2543,7 @@
           <a:p>
             <a:fld id="{5F8C1D27-7054-4C6B-8816-BEAA3AD2E28B}" type="datetimeFigureOut">
               <a:rPr lang="en-US" smtClean="0"/>
-              <a:t>9/14/16</a:t>
+              <a:t>5/8/18</a:t>
             </a:fld>
             <a:endParaRPr lang="en-US"/>
           </a:p>
@@ -2978,7 +2957,7 @@
         <p:spPr>
           <a:xfrm>
             <a:off x="4700790" y="582344"/>
-            <a:ext cx="6027312" cy="584775"/>
+            <a:ext cx="4098826" cy="584775"/>
           </a:xfrm>
           <a:prstGeom prst="rect">
             <a:avLst/>
@@ -2992,10 +2971,9 @@
           <a:lstStyle/>
           <a:p>
             <a:r>
-              <a:rPr lang="en-US" sz="3200" b="1" dirty="0" smtClean="0"/>
+              <a:rPr lang="en-US" sz="3200" b="1" dirty="0"/>
               <a:t>QUEUE:   &lt;empty&gt;</a:t>
             </a:r>
-            <a:endParaRPr lang="en-US" sz="3200" b="1" dirty="0"/>
           </a:p>
         </p:txBody>
       </p:sp>
@@ -3023,10 +3001,9 @@
           <a:p>
             <a:pPr algn="r"/>
             <a:r>
-              <a:rPr lang="en-US" sz="2400" dirty="0" smtClean="0"/>
+              <a:rPr lang="en-US" sz="2400" dirty="0"/>
               <a:t>Initialize queue</a:t>
             </a:r>
-            <a:endParaRPr lang="en-US" sz="2400" dirty="0"/>
           </a:p>
         </p:txBody>
       </p:sp>
@@ -3039,7 +3016,7 @@
         <p:spPr>
           <a:xfrm>
             <a:off x="4700790" y="1228717"/>
-            <a:ext cx="6027312" cy="584775"/>
+            <a:ext cx="4098826" cy="584775"/>
           </a:xfrm>
           <a:prstGeom prst="rect">
             <a:avLst/>
@@ -3053,17 +3030,226 @@
           <a:lstStyle/>
           <a:p>
             <a:r>
-              <a:rPr lang="en-US" sz="3200" b="1" dirty="0" smtClean="0"/>
+              <a:rPr lang="en-US" sz="3200" b="1" dirty="0"/>
               <a:t>QUEUE:   </a:t>
             </a:r>
             <a:r>
-              <a:rPr lang="en-US" sz="3200" b="1" dirty="0" smtClean="0">
+              <a:rPr lang="en-US" sz="3200" b="1" dirty="0">
                 <a:solidFill>
                   <a:srgbClr val="00B050"/>
                 </a:solidFill>
               </a:rPr>
               <a:t>N</a:t>
             </a:r>
+          </a:p>
+        </p:txBody>
+      </p:sp>
+      <p:sp>
+        <p:nvSpPr>
+          <p:cNvPr id="8" name="TextBox 7"/>
+          <p:cNvSpPr txBox="1"/>
+          <p:nvPr/>
+        </p:nvSpPr>
+        <p:spPr>
+          <a:xfrm>
+            <a:off x="2253805" y="1259450"/>
+            <a:ext cx="1867436" cy="461665"/>
+          </a:xfrm>
+          <a:prstGeom prst="rect">
+            <a:avLst/>
+          </a:prstGeom>
+          <a:noFill/>
+        </p:spPr>
+        <p:txBody>
+          <a:bodyPr wrap="square" rtlCol="0">
+            <a:spAutoFit/>
+          </a:bodyPr>
+          <a:lstStyle/>
+          <a:p>
+            <a:pPr algn="r"/>
+            <a:r>
+              <a:rPr lang="en-US" sz="2400"/>
+              <a:t>Enqueue</a:t>
+            </a:r>
+            <a:r>
+              <a:rPr lang="en-US" sz="2400" dirty="0"/>
+              <a:t> </a:t>
+            </a:r>
+            <a:r>
+              <a:rPr lang="en-US" sz="2400" b="1" dirty="0"/>
+              <a:t>N</a:t>
+            </a:r>
+          </a:p>
+        </p:txBody>
+      </p:sp>
+      <p:sp>
+        <p:nvSpPr>
+          <p:cNvPr id="9" name="TextBox 8"/>
+          <p:cNvSpPr txBox="1"/>
+          <p:nvPr/>
+        </p:nvSpPr>
+        <p:spPr>
+          <a:xfrm>
+            <a:off x="4700790" y="1905823"/>
+            <a:ext cx="4098826" cy="584775"/>
+          </a:xfrm>
+          <a:prstGeom prst="rect">
+            <a:avLst/>
+          </a:prstGeom>
+          <a:noFill/>
+        </p:spPr>
+        <p:txBody>
+          <a:bodyPr wrap="square" rtlCol="0">
+            <a:spAutoFit/>
+          </a:bodyPr>
+          <a:lstStyle/>
+          <a:p>
+            <a:r>
+              <a:rPr lang="en-US" sz="3200" b="1" dirty="0"/>
+              <a:t>QUEUE:   N </a:t>
+            </a:r>
+            <a:r>
+              <a:rPr lang="en-US" sz="3200" b="1" dirty="0">
+                <a:solidFill>
+                  <a:srgbClr val="00B050"/>
+                </a:solidFill>
+              </a:rPr>
+              <a:t>M</a:t>
+            </a:r>
+          </a:p>
+        </p:txBody>
+      </p:sp>
+      <p:sp>
+        <p:nvSpPr>
+          <p:cNvPr id="10" name="TextBox 9"/>
+          <p:cNvSpPr txBox="1"/>
+          <p:nvPr/>
+        </p:nvSpPr>
+        <p:spPr>
+          <a:xfrm>
+            <a:off x="2253805" y="1936556"/>
+            <a:ext cx="1867436" cy="461665"/>
+          </a:xfrm>
+          <a:prstGeom prst="rect">
+            <a:avLst/>
+          </a:prstGeom>
+          <a:noFill/>
+        </p:spPr>
+        <p:txBody>
+          <a:bodyPr wrap="square" rtlCol="0">
+            <a:spAutoFit/>
+          </a:bodyPr>
+          <a:lstStyle/>
+          <a:p>
+            <a:pPr algn="r"/>
+            <a:r>
+              <a:rPr lang="en-US" sz="2400" dirty="0"/>
+              <a:t>Enqueue </a:t>
+            </a:r>
+            <a:r>
+              <a:rPr lang="en-US" sz="2400" b="1" dirty="0"/>
+              <a:t>M</a:t>
+            </a:r>
+          </a:p>
+        </p:txBody>
+      </p:sp>
+      <p:sp>
+        <p:nvSpPr>
+          <p:cNvPr id="11" name="TextBox 10"/>
+          <p:cNvSpPr txBox="1"/>
+          <p:nvPr/>
+        </p:nvSpPr>
+        <p:spPr>
+          <a:xfrm>
+            <a:off x="4700790" y="2582929"/>
+            <a:ext cx="4098826" cy="584775"/>
+          </a:xfrm>
+          <a:prstGeom prst="rect">
+            <a:avLst/>
+          </a:prstGeom>
+          <a:noFill/>
+        </p:spPr>
+        <p:txBody>
+          <a:bodyPr wrap="square" rtlCol="0">
+            <a:spAutoFit/>
+          </a:bodyPr>
+          <a:lstStyle/>
+          <a:p>
+            <a:r>
+              <a:rPr lang="en-US" sz="3200" b="1" dirty="0"/>
+              <a:t>QUEUE:   N M </a:t>
+            </a:r>
+            <a:r>
+              <a:rPr lang="en-US" sz="3200" b="1" dirty="0">
+                <a:solidFill>
+                  <a:srgbClr val="00B050"/>
+                </a:solidFill>
+              </a:rPr>
+              <a:t>Q</a:t>
+            </a:r>
+          </a:p>
+        </p:txBody>
+      </p:sp>
+      <p:sp>
+        <p:nvSpPr>
+          <p:cNvPr id="12" name="TextBox 11"/>
+          <p:cNvSpPr txBox="1"/>
+          <p:nvPr/>
+        </p:nvSpPr>
+        <p:spPr>
+          <a:xfrm>
+            <a:off x="2253805" y="2613662"/>
+            <a:ext cx="1867436" cy="461665"/>
+          </a:xfrm>
+          <a:prstGeom prst="rect">
+            <a:avLst/>
+          </a:prstGeom>
+          <a:noFill/>
+        </p:spPr>
+        <p:txBody>
+          <a:bodyPr wrap="square" rtlCol="0">
+            <a:spAutoFit/>
+          </a:bodyPr>
+          <a:lstStyle/>
+          <a:p>
+            <a:pPr algn="r"/>
+            <a:r>
+              <a:rPr lang="en-US" sz="2400" dirty="0"/>
+              <a:t>Enqueue </a:t>
+            </a:r>
+            <a:r>
+              <a:rPr lang="en-US" sz="2400" b="1" dirty="0"/>
+              <a:t>Q</a:t>
+            </a:r>
+          </a:p>
+        </p:txBody>
+      </p:sp>
+      <p:sp>
+        <p:nvSpPr>
+          <p:cNvPr id="13" name="TextBox 12"/>
+          <p:cNvSpPr txBox="1"/>
+          <p:nvPr/>
+        </p:nvSpPr>
+        <p:spPr>
+          <a:xfrm>
+            <a:off x="4700790" y="3235691"/>
+            <a:ext cx="4098826" cy="584775"/>
+          </a:xfrm>
+          <a:prstGeom prst="rect">
+            <a:avLst/>
+          </a:prstGeom>
+          <a:noFill/>
+        </p:spPr>
+        <p:txBody>
+          <a:bodyPr wrap="square" rtlCol="0">
+            <a:spAutoFit/>
+          </a:bodyPr>
+          <a:lstStyle/>
+          <a:p>
+            <a:r>
+              <a:rPr lang="en-US" sz="3200" b="1" dirty="0"/>
+              <a:t>QUEUE:   M Q</a:t>
+            </a:r>
             <a:endParaRPr lang="en-US" sz="3200" b="1" dirty="0">
               <a:solidFill>
                 <a:srgbClr val="00B050"/>
@@ -3074,13 +3260,13 @@
       </p:sp>
       <p:sp>
         <p:nvSpPr>
-          <p:cNvPr id="8" name="TextBox 7"/>
+          <p:cNvPr id="14" name="TextBox 13"/>
           <p:cNvSpPr txBox="1"/>
           <p:nvPr/>
         </p:nvSpPr>
         <p:spPr>
           <a:xfrm>
-            <a:off x="2253805" y="1259450"/>
+            <a:off x="2253805" y="3266424"/>
             <a:ext cx="1867436" cy="461665"/>
           </a:xfrm>
           <a:prstGeom prst="rect">
@@ -3096,31 +3282,22 @@
           <a:p>
             <a:pPr algn="r"/>
             <a:r>
-              <a:rPr lang="en-US" sz="2400" smtClean="0"/>
-              <a:t>Enqueue</a:t>
-            </a:r>
-            <a:r>
-              <a:rPr lang="en-US" sz="2400" dirty="0" smtClean="0"/>
-              <a:t> </a:t>
-            </a:r>
-            <a:r>
-              <a:rPr lang="en-US" sz="2400" b="1" dirty="0" smtClean="0"/>
-              <a:t>N</a:t>
-            </a:r>
-            <a:endParaRPr lang="en-US" sz="2400" b="1" dirty="0"/>
-          </a:p>
-        </p:txBody>
-      </p:sp>
-      <p:sp>
-        <p:nvSpPr>
-          <p:cNvPr id="9" name="TextBox 8"/>
+              <a:rPr lang="en-US" sz="2400" dirty="0"/>
+              <a:t>Dequeue</a:t>
+            </a:r>
+          </a:p>
+        </p:txBody>
+      </p:sp>
+      <p:sp>
+        <p:nvSpPr>
+          <p:cNvPr id="15" name="TextBox 14"/>
           <p:cNvSpPr txBox="1"/>
           <p:nvPr/>
         </p:nvSpPr>
         <p:spPr>
           <a:xfrm>
-            <a:off x="4700790" y="1905823"/>
-            <a:ext cx="6027312" cy="584775"/>
+            <a:off x="4700790" y="3897388"/>
+            <a:ext cx="4098826" cy="584775"/>
           </a:xfrm>
           <a:prstGeom prst="rect">
             <a:avLst/>
@@ -3134,16 +3311,91 @@
           <a:lstStyle/>
           <a:p>
             <a:r>
-              <a:rPr lang="en-US" sz="3200" b="1" dirty="0" smtClean="0"/>
-              <a:t>QUEUE:   N </a:t>
-            </a:r>
-            <a:r>
-              <a:rPr lang="en-US" sz="3200" b="1" dirty="0" smtClean="0">
+              <a:rPr lang="en-US" sz="3200" b="1" dirty="0"/>
+              <a:t>QUEUE:   M Q </a:t>
+            </a:r>
+            <a:r>
+              <a:rPr lang="en-US" sz="3200" b="1" dirty="0">
                 <a:solidFill>
                   <a:srgbClr val="00B050"/>
                 </a:solidFill>
               </a:rPr>
-              <a:t>M</a:t>
+              <a:t>D</a:t>
+            </a:r>
+          </a:p>
+        </p:txBody>
+      </p:sp>
+      <p:sp>
+        <p:nvSpPr>
+          <p:cNvPr id="16" name="TextBox 15"/>
+          <p:cNvSpPr txBox="1"/>
+          <p:nvPr/>
+        </p:nvSpPr>
+        <p:spPr>
+          <a:xfrm>
+            <a:off x="2253805" y="3928121"/>
+            <a:ext cx="1867436" cy="461665"/>
+          </a:xfrm>
+          <a:prstGeom prst="rect">
+            <a:avLst/>
+          </a:prstGeom>
+          <a:noFill/>
+        </p:spPr>
+        <p:txBody>
+          <a:bodyPr wrap="square" rtlCol="0">
+            <a:spAutoFit/>
+          </a:bodyPr>
+          <a:lstStyle/>
+          <a:p>
+            <a:pPr algn="r"/>
+            <a:r>
+              <a:rPr lang="en-US" sz="2400"/>
+              <a:t>Enqueue</a:t>
+            </a:r>
+            <a:r>
+              <a:rPr lang="en-US" sz="2400" dirty="0"/>
+              <a:t> </a:t>
+            </a:r>
+            <a:r>
+              <a:rPr lang="en-US" sz="2400" b="1" dirty="0"/>
+              <a:t>D</a:t>
+            </a:r>
+          </a:p>
+        </p:txBody>
+      </p:sp>
+      <p:sp>
+        <p:nvSpPr>
+          <p:cNvPr id="17" name="TextBox 16"/>
+          <p:cNvSpPr txBox="1"/>
+          <p:nvPr/>
+        </p:nvSpPr>
+        <p:spPr>
+          <a:xfrm>
+            <a:off x="4700790" y="4505258"/>
+            <a:ext cx="4098826" cy="584775"/>
+          </a:xfrm>
+          <a:prstGeom prst="rect">
+            <a:avLst/>
+          </a:prstGeom>
+          <a:noFill/>
+        </p:spPr>
+        <p:txBody>
+          <a:bodyPr wrap="square" rtlCol="0">
+            <a:spAutoFit/>
+          </a:bodyPr>
+          <a:lstStyle/>
+          <a:p>
+            <a:r>
+              <a:rPr lang="en-US" sz="3200" b="1" dirty="0"/>
+              <a:t>QUEUE</a:t>
+            </a:r>
+            <a:r>
+              <a:rPr lang="en-US" sz="3200" b="1"/>
+              <a:t>:   Q </a:t>
+            </a:r>
+            <a:r>
+              <a:rPr lang="en-US" sz="3200" b="1" dirty="0"/>
+              <a:t>D</a:t>
             </a:r>
             <a:endParaRPr lang="en-US" sz="3200" b="1" dirty="0">
               <a:solidFill>
@@ -3155,13 +3407,13 @@
       </p:sp>
       <p:sp>
         <p:nvSpPr>
-          <p:cNvPr id="10" name="TextBox 9"/>
+          <p:cNvPr id="18" name="TextBox 17"/>
           <p:cNvSpPr txBox="1"/>
           <p:nvPr/>
         </p:nvSpPr>
         <p:spPr>
           <a:xfrm>
-            <a:off x="2253805" y="1936556"/>
+            <a:off x="2253805" y="4535991"/>
             <a:ext cx="1867436" cy="461665"/>
           </a:xfrm>
           <a:prstGeom prst="rect">
@@ -3177,27 +3429,22 @@
           <a:p>
             <a:pPr algn="r"/>
             <a:r>
-              <a:rPr lang="en-US" sz="2400" dirty="0" smtClean="0"/>
-              <a:t>Enqueue </a:t>
-            </a:r>
-            <a:r>
-              <a:rPr lang="en-US" sz="2400" b="1" dirty="0" smtClean="0"/>
-              <a:t>M</a:t>
-            </a:r>
-            <a:endParaRPr lang="en-US" sz="2400" b="1" dirty="0"/>
-          </a:p>
-        </p:txBody>
-      </p:sp>
-      <p:sp>
-        <p:nvSpPr>
-          <p:cNvPr id="11" name="TextBox 10"/>
+              <a:rPr lang="en-US" sz="2400" dirty="0"/>
+              <a:t>Dequeue</a:t>
+            </a:r>
+          </a:p>
+        </p:txBody>
+      </p:sp>
+      <p:sp>
+        <p:nvSpPr>
+          <p:cNvPr id="19" name="TextBox 18"/>
           <p:cNvSpPr txBox="1"/>
           <p:nvPr/>
         </p:nvSpPr>
         <p:spPr>
           <a:xfrm>
-            <a:off x="4700790" y="2582929"/>
-            <a:ext cx="6027312" cy="584775"/>
+            <a:off x="4700790" y="5136222"/>
+            <a:ext cx="4098826" cy="584775"/>
           </a:xfrm>
           <a:prstGeom prst="rect">
             <a:avLst/>
@@ -3211,16 +3458,8 @@
           <a:lstStyle/>
           <a:p>
             <a:r>
-              <a:rPr lang="en-US" sz="3200" b="1" dirty="0" smtClean="0"/>
-              <a:t>QUEUE:   N M </a:t>
-            </a:r>
-            <a:r>
-              <a:rPr lang="en-US" sz="3200" b="1" dirty="0" smtClean="0">
-                <a:solidFill>
-                  <a:srgbClr val="00B050"/>
-                </a:solidFill>
-              </a:rPr>
-              <a:t>Q</a:t>
+              <a:rPr lang="en-US" sz="3200" b="1" dirty="0"/>
+              <a:t>QUEUE:   D</a:t>
             </a:r>
             <a:endParaRPr lang="en-US" sz="3200" b="1" dirty="0">
               <a:solidFill>
@@ -3232,13 +3471,13 @@
       </p:sp>
       <p:sp>
         <p:nvSpPr>
-          <p:cNvPr id="12" name="TextBox 11"/>
+          <p:cNvPr id="20" name="TextBox 19"/>
           <p:cNvSpPr txBox="1"/>
           <p:nvPr/>
         </p:nvSpPr>
         <p:spPr>
           <a:xfrm>
-            <a:off x="2253805" y="2613662"/>
+            <a:off x="2253805" y="5166955"/>
             <a:ext cx="1867436" cy="461665"/>
           </a:xfrm>
           <a:prstGeom prst="rect">
@@ -3254,27 +3493,22 @@
           <a:p>
             <a:pPr algn="r"/>
             <a:r>
-              <a:rPr lang="en-US" sz="2400" dirty="0" smtClean="0"/>
-              <a:t>Enqueue </a:t>
-            </a:r>
-            <a:r>
-              <a:rPr lang="en-US" sz="2400" b="1" dirty="0" smtClean="0"/>
-              <a:t>Q</a:t>
-            </a:r>
-            <a:endParaRPr lang="en-US" sz="2400" b="1" dirty="0"/>
-          </a:p>
-        </p:txBody>
-      </p:sp>
-      <p:sp>
-        <p:nvSpPr>
-          <p:cNvPr id="13" name="TextBox 12"/>
+              <a:rPr lang="en-US" sz="2400" dirty="0"/>
+              <a:t>Dequeue</a:t>
+            </a:r>
+          </a:p>
+        </p:txBody>
+      </p:sp>
+      <p:sp>
+        <p:nvSpPr>
+          <p:cNvPr id="21" name="TextBox 20"/>
           <p:cNvSpPr txBox="1"/>
           <p:nvPr/>
         </p:nvSpPr>
         <p:spPr>
           <a:xfrm>
-            <a:off x="4700790" y="3235691"/>
-            <a:ext cx="6027312" cy="584775"/>
+            <a:off x="4700790" y="5751730"/>
+            <a:ext cx="4098826" cy="584775"/>
           </a:xfrm>
           <a:prstGeom prst="rect">
             <a:avLst/>
@@ -3288,8 +3522,8 @@
           <a:lstStyle/>
           <a:p>
             <a:r>
-              <a:rPr lang="en-US" sz="3200" b="1" dirty="0" smtClean="0"/>
-              <a:t>QUEUE:   M Q</a:t>
+              <a:rPr lang="en-US" sz="3200" b="1" dirty="0"/>
+              <a:t>QUEUE:   &lt;empty&gt;</a:t>
             </a:r>
             <a:endParaRPr lang="en-US" sz="3200" b="1" dirty="0">
               <a:solidFill>
@@ -3301,13 +3535,13 @@
       </p:sp>
       <p:sp>
         <p:nvSpPr>
-          <p:cNvPr id="14" name="TextBox 13"/>
+          <p:cNvPr id="22" name="TextBox 21"/>
           <p:cNvSpPr txBox="1"/>
           <p:nvPr/>
         </p:nvSpPr>
         <p:spPr>
           <a:xfrm>
-            <a:off x="2253805" y="3266424"/>
+            <a:off x="2253805" y="5782463"/>
             <a:ext cx="1867436" cy="461665"/>
           </a:xfrm>
           <a:prstGeom prst="rect">
@@ -3323,294 +3557,9 @@
           <a:p>
             <a:pPr algn="r"/>
             <a:r>
-              <a:rPr lang="en-US" sz="2400" dirty="0" smtClean="0"/>
+              <a:rPr lang="en-US" sz="2400" dirty="0"/>
               <a:t>Dequeue</a:t>
             </a:r>
-            <a:endParaRPr lang="en-US" sz="2400" dirty="0"/>
-          </a:p>
-        </p:txBody>
-      </p:sp>
-      <p:sp>
-        <p:nvSpPr>
-          <p:cNvPr id="15" name="TextBox 14"/>
-          <p:cNvSpPr txBox="1"/>
-          <p:nvPr/>
-        </p:nvSpPr>
-        <p:spPr>
-          <a:xfrm>
-            <a:off x="4700790" y="3897388"/>
-            <a:ext cx="6027312" cy="584775"/>
-          </a:xfrm>
-          <a:prstGeom prst="rect">
-            <a:avLst/>
-          </a:prstGeom>
-          <a:noFill/>
-        </p:spPr>
-        <p:txBody>
-          <a:bodyPr wrap="square" rtlCol="0">
-            <a:spAutoFit/>
-          </a:bodyPr>
-          <a:lstStyle/>
-          <a:p>
-            <a:r>
-              <a:rPr lang="en-US" sz="3200" b="1" dirty="0" smtClean="0"/>
-              <a:t>QUEUE:   M Q </a:t>
-            </a:r>
-            <a:r>
-              <a:rPr lang="en-US" sz="3200" b="1" dirty="0" smtClean="0">
-                <a:solidFill>
-                  <a:srgbClr val="00B050"/>
-                </a:solidFill>
-              </a:rPr>
-              <a:t>D</a:t>
-            </a:r>
-            <a:endParaRPr lang="en-US" sz="3200" b="1" dirty="0">
-              <a:solidFill>
-                <a:srgbClr val="00B050"/>
-              </a:solidFill>
-            </a:endParaRPr>
-          </a:p>
-        </p:txBody>
-      </p:sp>
-      <p:sp>
-        <p:nvSpPr>
-          <p:cNvPr id="16" name="TextBox 15"/>
-          <p:cNvSpPr txBox="1"/>
-          <p:nvPr/>
-        </p:nvSpPr>
-        <p:spPr>
-          <a:xfrm>
-            <a:off x="2253805" y="3928121"/>
-            <a:ext cx="1867436" cy="461665"/>
-          </a:xfrm>
-          <a:prstGeom prst="rect">
-            <a:avLst/>
-          </a:prstGeom>
-          <a:noFill/>
-        </p:spPr>
-        <p:txBody>
-          <a:bodyPr wrap="square" rtlCol="0">
-            <a:spAutoFit/>
-          </a:bodyPr>
-          <a:lstStyle/>
-          <a:p>
-            <a:pPr algn="r"/>
-            <a:r>
-              <a:rPr lang="en-US" sz="2400" smtClean="0"/>
-              <a:t>Enqueue</a:t>
-            </a:r>
-            <a:r>
-              <a:rPr lang="en-US" sz="2400" dirty="0" smtClean="0"/>
-              <a:t> </a:t>
-            </a:r>
-            <a:r>
-              <a:rPr lang="en-US" sz="2400" b="1" dirty="0" smtClean="0"/>
-              <a:t>D</a:t>
-            </a:r>
-            <a:endParaRPr lang="en-US" sz="2400" b="1" dirty="0"/>
-          </a:p>
-        </p:txBody>
-      </p:sp>
-      <p:sp>
-        <p:nvSpPr>
-          <p:cNvPr id="17" name="TextBox 16"/>
-          <p:cNvSpPr txBox="1"/>
-          <p:nvPr/>
-        </p:nvSpPr>
-        <p:spPr>
-          <a:xfrm>
-            <a:off x="4700790" y="4505258"/>
-            <a:ext cx="6027312" cy="584775"/>
-          </a:xfrm>
-          <a:prstGeom prst="rect">
-            <a:avLst/>
-          </a:prstGeom>
-          <a:noFill/>
-        </p:spPr>
-        <p:txBody>
-          <a:bodyPr wrap="square" rtlCol="0">
-            <a:spAutoFit/>
-          </a:bodyPr>
-          <a:lstStyle/>
-          <a:p>
-            <a:r>
-              <a:rPr lang="en-US" sz="3200" b="1" dirty="0" smtClean="0"/>
-              <a:t>QUEUE</a:t>
-            </a:r>
-            <a:r>
-              <a:rPr lang="en-US" sz="3200" b="1" smtClean="0"/>
-              <a:t>:   Q </a:t>
-            </a:r>
-            <a:r>
-              <a:rPr lang="en-US" sz="3200" b="1" dirty="0" smtClean="0"/>
-              <a:t>D</a:t>
-            </a:r>
-            <a:endParaRPr lang="en-US" sz="3200" b="1" dirty="0">
-              <a:solidFill>
-                <a:srgbClr val="00B050"/>
-              </a:solidFill>
-            </a:endParaRPr>
-          </a:p>
-        </p:txBody>
-      </p:sp>
-      <p:sp>
-        <p:nvSpPr>
-          <p:cNvPr id="18" name="TextBox 17"/>
-          <p:cNvSpPr txBox="1"/>
-          <p:nvPr/>
-        </p:nvSpPr>
-        <p:spPr>
-          <a:xfrm>
-            <a:off x="2253805" y="4535991"/>
-            <a:ext cx="1867436" cy="461665"/>
-          </a:xfrm>
-          <a:prstGeom prst="rect">
-            <a:avLst/>
-          </a:prstGeom>
-          <a:noFill/>
-        </p:spPr>
-        <p:txBody>
-          <a:bodyPr wrap="square" rtlCol="0">
-            <a:spAutoFit/>
-          </a:bodyPr>
-          <a:lstStyle/>
-          <a:p>
-            <a:pPr algn="r"/>
-            <a:r>
-              <a:rPr lang="en-US" sz="2400" dirty="0" smtClean="0"/>
-              <a:t>Dequeue</a:t>
-            </a:r>
-            <a:endParaRPr lang="en-US" sz="2400" dirty="0"/>
-          </a:p>
-        </p:txBody>
-      </p:sp>
-      <p:sp>
-        <p:nvSpPr>
-          <p:cNvPr id="19" name="TextBox 18"/>
-          <p:cNvSpPr txBox="1"/>
-          <p:nvPr/>
-        </p:nvSpPr>
-        <p:spPr>
-          <a:xfrm>
-            <a:off x="4700790" y="5136222"/>
-            <a:ext cx="6027312" cy="584775"/>
-          </a:xfrm>
-          <a:prstGeom prst="rect">
-            <a:avLst/>
-          </a:prstGeom>
-          <a:noFill/>
-        </p:spPr>
-        <p:txBody>
-          <a:bodyPr wrap="square" rtlCol="0">
-            <a:spAutoFit/>
-          </a:bodyPr>
-          <a:lstStyle/>
-          <a:p>
-            <a:r>
-              <a:rPr lang="en-US" sz="3200" b="1" dirty="0" smtClean="0"/>
-              <a:t>QUEUE:   D</a:t>
-            </a:r>
-            <a:endParaRPr lang="en-US" sz="3200" b="1" dirty="0">
-              <a:solidFill>
-                <a:srgbClr val="00B050"/>
-              </a:solidFill>
-            </a:endParaRPr>
-          </a:p>
-        </p:txBody>
-      </p:sp>
-      <p:sp>
-        <p:nvSpPr>
-          <p:cNvPr id="20" name="TextBox 19"/>
-          <p:cNvSpPr txBox="1"/>
-          <p:nvPr/>
-        </p:nvSpPr>
-        <p:spPr>
-          <a:xfrm>
-            <a:off x="2253805" y="5166955"/>
-            <a:ext cx="1867436" cy="461665"/>
-          </a:xfrm>
-          <a:prstGeom prst="rect">
-            <a:avLst/>
-          </a:prstGeom>
-          <a:noFill/>
-        </p:spPr>
-        <p:txBody>
-          <a:bodyPr wrap="square" rtlCol="0">
-            <a:spAutoFit/>
-          </a:bodyPr>
-          <a:lstStyle/>
-          <a:p>
-            <a:pPr algn="r"/>
-            <a:r>
-              <a:rPr lang="en-US" sz="2400" dirty="0" smtClean="0"/>
-              <a:t>Dequeue</a:t>
-            </a:r>
-            <a:endParaRPr lang="en-US" sz="2400" dirty="0"/>
-          </a:p>
-        </p:txBody>
-      </p:sp>
-      <p:sp>
-        <p:nvSpPr>
-          <p:cNvPr id="21" name="TextBox 20"/>
-          <p:cNvSpPr txBox="1"/>
-          <p:nvPr/>
-        </p:nvSpPr>
-        <p:spPr>
-          <a:xfrm>
-            <a:off x="4700790" y="5751730"/>
-            <a:ext cx="6027312" cy="584775"/>
-          </a:xfrm>
-          <a:prstGeom prst="rect">
-            <a:avLst/>
-          </a:prstGeom>
-          <a:noFill/>
-        </p:spPr>
-        <p:txBody>
-          <a:bodyPr wrap="square" rtlCol="0">
-            <a:spAutoFit/>
-          </a:bodyPr>
-          <a:lstStyle/>
-          <a:p>
-            <a:r>
-              <a:rPr lang="en-US" sz="3200" b="1" dirty="0" smtClean="0"/>
-              <a:t>QUEUE:   &lt;empty&gt;</a:t>
-            </a:r>
-            <a:endParaRPr lang="en-US" sz="3200" b="1" dirty="0">
-              <a:solidFill>
-                <a:srgbClr val="00B050"/>
-              </a:solidFill>
-            </a:endParaRPr>
-          </a:p>
-        </p:txBody>
-      </p:sp>
-      <p:sp>
-        <p:nvSpPr>
-          <p:cNvPr id="22" name="TextBox 21"/>
-          <p:cNvSpPr txBox="1"/>
-          <p:nvPr/>
-        </p:nvSpPr>
-        <p:spPr>
-          <a:xfrm>
-            <a:off x="2253805" y="5782463"/>
-            <a:ext cx="1867436" cy="461665"/>
-          </a:xfrm>
-          <a:prstGeom prst="rect">
-            <a:avLst/>
-          </a:prstGeom>
-          <a:noFill/>
-        </p:spPr>
-        <p:txBody>
-          <a:bodyPr wrap="square" rtlCol="0">
-            <a:spAutoFit/>
-          </a:bodyPr>
-          <a:lstStyle/>
-          <a:p>
-            <a:pPr algn="r"/>
-            <a:r>
-              <a:rPr lang="en-US" sz="2400" dirty="0" smtClean="0"/>
-              <a:t>Dequeue</a:t>
-            </a:r>
-            <a:endParaRPr lang="en-US" sz="2400" dirty="0"/>
           </a:p>
         </p:txBody>
       </p:sp>
